--- a/Documentation/Recorded Data/FFT Compare.pptx
+++ b/Documentation/Recorded Data/FFT Compare.pptx
@@ -6,6 +6,8 @@
   </p:sldMasterIdLst>
   <p:sldIdLst>
     <p:sldId id="256" r:id="rId2"/>
+    <p:sldId id="257" r:id="rId3"/>
+    <p:sldId id="258" r:id="rId4"/>
   </p:sldIdLst>
   <p:sldSz cx="12192000" cy="6858000"/>
   <p:notesSz cx="6858000" cy="9144000"/>
@@ -104,6 +106,11 @@
       </a:defRPr>
     </a:lvl9pPr>
   </p:defaultTextStyle>
+  <p:extLst>
+    <p:ext uri="{EFAFB233-063F-42B5-8137-9DF3F51BA10A}">
+      <p15:sldGuideLst xmlns:p15="http://schemas.microsoft.com/office/powerpoint/2012/main"/>
+    </p:ext>
+  </p:extLst>
 </p:presentation>
 </file>
 
@@ -256,7 +263,7 @@
           <a:p>
             <a:fld id="{18F61812-5057-48E7-9B5A-34FFE5D24CEF}" type="datetimeFigureOut">
               <a:rPr lang="en-AU" smtClean="0"/>
-              <a:t>1/07/2020</a:t>
+              <a:t>2/07/2020</a:t>
             </a:fld>
             <a:endParaRPr lang="en-AU"/>
           </a:p>
@@ -456,7 +463,7 @@
           <a:p>
             <a:fld id="{18F61812-5057-48E7-9B5A-34FFE5D24CEF}" type="datetimeFigureOut">
               <a:rPr lang="en-AU" smtClean="0"/>
-              <a:t>1/07/2020</a:t>
+              <a:t>2/07/2020</a:t>
             </a:fld>
             <a:endParaRPr lang="en-AU"/>
           </a:p>
@@ -666,7 +673,7 @@
           <a:p>
             <a:fld id="{18F61812-5057-48E7-9B5A-34FFE5D24CEF}" type="datetimeFigureOut">
               <a:rPr lang="en-AU" smtClean="0"/>
-              <a:t>1/07/2020</a:t>
+              <a:t>2/07/2020</a:t>
             </a:fld>
             <a:endParaRPr lang="en-AU"/>
           </a:p>
@@ -866,7 +873,7 @@
           <a:p>
             <a:fld id="{18F61812-5057-48E7-9B5A-34FFE5D24CEF}" type="datetimeFigureOut">
               <a:rPr lang="en-AU" smtClean="0"/>
-              <a:t>1/07/2020</a:t>
+              <a:t>2/07/2020</a:t>
             </a:fld>
             <a:endParaRPr lang="en-AU"/>
           </a:p>
@@ -1142,7 +1149,7 @@
           <a:p>
             <a:fld id="{18F61812-5057-48E7-9B5A-34FFE5D24CEF}" type="datetimeFigureOut">
               <a:rPr lang="en-AU" smtClean="0"/>
-              <a:t>1/07/2020</a:t>
+              <a:t>2/07/2020</a:t>
             </a:fld>
             <a:endParaRPr lang="en-AU"/>
           </a:p>
@@ -1410,7 +1417,7 @@
           <a:p>
             <a:fld id="{18F61812-5057-48E7-9B5A-34FFE5D24CEF}" type="datetimeFigureOut">
               <a:rPr lang="en-AU" smtClean="0"/>
-              <a:t>1/07/2020</a:t>
+              <a:t>2/07/2020</a:t>
             </a:fld>
             <a:endParaRPr lang="en-AU"/>
           </a:p>
@@ -1825,7 +1832,7 @@
           <a:p>
             <a:fld id="{18F61812-5057-48E7-9B5A-34FFE5D24CEF}" type="datetimeFigureOut">
               <a:rPr lang="en-AU" smtClean="0"/>
-              <a:t>1/07/2020</a:t>
+              <a:t>2/07/2020</a:t>
             </a:fld>
             <a:endParaRPr lang="en-AU"/>
           </a:p>
@@ -1967,7 +1974,7 @@
           <a:p>
             <a:fld id="{18F61812-5057-48E7-9B5A-34FFE5D24CEF}" type="datetimeFigureOut">
               <a:rPr lang="en-AU" smtClean="0"/>
-              <a:t>1/07/2020</a:t>
+              <a:t>2/07/2020</a:t>
             </a:fld>
             <a:endParaRPr lang="en-AU"/>
           </a:p>
@@ -2080,7 +2087,7 @@
           <a:p>
             <a:fld id="{18F61812-5057-48E7-9B5A-34FFE5D24CEF}" type="datetimeFigureOut">
               <a:rPr lang="en-AU" smtClean="0"/>
-              <a:t>1/07/2020</a:t>
+              <a:t>2/07/2020</a:t>
             </a:fld>
             <a:endParaRPr lang="en-AU"/>
           </a:p>
@@ -2393,7 +2400,7 @@
           <a:p>
             <a:fld id="{18F61812-5057-48E7-9B5A-34FFE5D24CEF}" type="datetimeFigureOut">
               <a:rPr lang="en-AU" smtClean="0"/>
-              <a:t>1/07/2020</a:t>
+              <a:t>2/07/2020</a:t>
             </a:fld>
             <a:endParaRPr lang="en-AU"/>
           </a:p>
@@ -2682,7 +2689,7 @@
           <a:p>
             <a:fld id="{18F61812-5057-48E7-9B5A-34FFE5D24CEF}" type="datetimeFigureOut">
               <a:rPr lang="en-AU" smtClean="0"/>
-              <a:t>1/07/2020</a:t>
+              <a:t>2/07/2020</a:t>
             </a:fld>
             <a:endParaRPr lang="en-AU"/>
           </a:p>
@@ -2925,7 +2932,7 @@
           <a:p>
             <a:fld id="{18F61812-5057-48E7-9B5A-34FFE5D24CEF}" type="datetimeFigureOut">
               <a:rPr lang="en-AU" smtClean="0"/>
-              <a:t>1/07/2020</a:t>
+              <a:t>2/07/2020</a:t>
             </a:fld>
             <a:endParaRPr lang="en-AU"/>
           </a:p>
@@ -3424,8 +3431,8 @@
         </p:blipFill>
         <p:spPr>
           <a:xfrm>
-            <a:off x="7016621" y="123827"/>
-            <a:ext cx="4245245" cy="3271711"/>
+            <a:off x="7016620" y="123827"/>
+            <a:ext cx="4206240" cy="3241650"/>
           </a:xfrm>
           <a:prstGeom prst="rect">
             <a:avLst/>
@@ -3466,6 +3473,306 @@
     <p:extLst>
       <p:ext uri="{BB962C8B-B14F-4D97-AF65-F5344CB8AC3E}">
         <p14:creationId xmlns:p14="http://schemas.microsoft.com/office/powerpoint/2010/main" val="339387270"/>
+      </p:ext>
+    </p:extLst>
+  </p:cSld>
+  <p:clrMapOvr>
+    <a:masterClrMapping/>
+  </p:clrMapOvr>
+</p:sld>
+</file>
+
+<file path=ppt/slides/slide2.xml><?xml version="1.0" encoding="utf-8"?>
+<p:sld xmlns:a="http://schemas.openxmlformats.org/drawingml/2006/main" xmlns:r="http://schemas.openxmlformats.org/officeDocument/2006/relationships" xmlns:p="http://schemas.openxmlformats.org/presentationml/2006/main">
+  <p:cSld>
+    <p:spTree>
+      <p:nvGrpSpPr>
+        <p:cNvPr id="1" name=""/>
+        <p:cNvGrpSpPr/>
+        <p:nvPr/>
+      </p:nvGrpSpPr>
+      <p:grpSpPr>
+        <a:xfrm>
+          <a:off x="0" y="0"/>
+          <a:ext cx="0" cy="0"/>
+          <a:chOff x="0" y="0"/>
+          <a:chExt cx="0" cy="0"/>
+        </a:xfrm>
+      </p:grpSpPr>
+      <p:pic>
+        <p:nvPicPr>
+          <p:cNvPr id="4" name="Picture 3">
+            <a:extLst>
+              <a:ext uri="{FF2B5EF4-FFF2-40B4-BE49-F238E27FC236}">
+                <a16:creationId xmlns:a16="http://schemas.microsoft.com/office/drawing/2014/main" id="{EDC9CE9A-EA55-4C9B-B8EF-7C853A811993}"/>
+              </a:ext>
+            </a:extLst>
+          </p:cNvPr>
+          <p:cNvPicPr>
+            <a:picLocks noChangeAspect="1"/>
+          </p:cNvPicPr>
+          <p:nvPr/>
+        </p:nvPicPr>
+        <p:blipFill>
+          <a:blip r:embed="rId2"/>
+          <a:stretch>
+            <a:fillRect/>
+          </a:stretch>
+        </p:blipFill>
+        <p:spPr>
+          <a:xfrm>
+            <a:off x="7474590" y="105841"/>
+            <a:ext cx="3914676" cy="3246120"/>
+          </a:xfrm>
+          <a:prstGeom prst="rect">
+            <a:avLst/>
+          </a:prstGeom>
+        </p:spPr>
+      </p:pic>
+      <p:pic>
+        <p:nvPicPr>
+          <p:cNvPr id="5" name="Picture 4">
+            <a:extLst>
+              <a:ext uri="{FF2B5EF4-FFF2-40B4-BE49-F238E27FC236}">
+                <a16:creationId xmlns:a16="http://schemas.microsoft.com/office/drawing/2014/main" id="{971A5030-35E0-4C16-A263-B5E83DF4F0FD}"/>
+              </a:ext>
+            </a:extLst>
+          </p:cNvPr>
+          <p:cNvPicPr>
+            <a:picLocks noChangeAspect="1"/>
+          </p:cNvPicPr>
+          <p:nvPr/>
+        </p:nvPicPr>
+        <p:blipFill>
+          <a:blip r:embed="rId3"/>
+          <a:stretch>
+            <a:fillRect/>
+          </a:stretch>
+        </p:blipFill>
+        <p:spPr>
+          <a:xfrm>
+            <a:off x="7474590" y="3506040"/>
+            <a:ext cx="3990865" cy="3246120"/>
+          </a:xfrm>
+          <a:prstGeom prst="rect">
+            <a:avLst/>
+          </a:prstGeom>
+        </p:spPr>
+      </p:pic>
+      <p:pic>
+        <p:nvPicPr>
+          <p:cNvPr id="6" name="Picture 5">
+            <a:extLst>
+              <a:ext uri="{FF2B5EF4-FFF2-40B4-BE49-F238E27FC236}">
+                <a16:creationId xmlns:a16="http://schemas.microsoft.com/office/drawing/2014/main" id="{FA80FE14-C05B-4EF0-877F-43B2E6A3830B}"/>
+              </a:ext>
+            </a:extLst>
+          </p:cNvPr>
+          <p:cNvPicPr>
+            <a:picLocks noChangeAspect="1"/>
+          </p:cNvPicPr>
+          <p:nvPr/>
+        </p:nvPicPr>
+        <p:blipFill>
+          <a:blip r:embed="rId4"/>
+          <a:stretch>
+            <a:fillRect/>
+          </a:stretch>
+        </p:blipFill>
+        <p:spPr>
+          <a:xfrm>
+            <a:off x="495885" y="105841"/>
+            <a:ext cx="4041419" cy="3246120"/>
+          </a:xfrm>
+          <a:prstGeom prst="rect">
+            <a:avLst/>
+          </a:prstGeom>
+        </p:spPr>
+      </p:pic>
+      <p:pic>
+        <p:nvPicPr>
+          <p:cNvPr id="7" name="Picture 6">
+            <a:extLst>
+              <a:ext uri="{FF2B5EF4-FFF2-40B4-BE49-F238E27FC236}">
+                <a16:creationId xmlns:a16="http://schemas.microsoft.com/office/drawing/2014/main" id="{42DEB456-4639-453D-8973-1FA291664712}"/>
+              </a:ext>
+            </a:extLst>
+          </p:cNvPr>
+          <p:cNvPicPr>
+            <a:picLocks noChangeAspect="1"/>
+          </p:cNvPicPr>
+          <p:nvPr/>
+        </p:nvPicPr>
+        <p:blipFill>
+          <a:blip r:embed="rId5"/>
+          <a:stretch>
+            <a:fillRect/>
+          </a:stretch>
+        </p:blipFill>
+        <p:spPr>
+          <a:xfrm>
+            <a:off x="495885" y="3506041"/>
+            <a:ext cx="3990865" cy="3249704"/>
+          </a:xfrm>
+          <a:prstGeom prst="rect">
+            <a:avLst/>
+          </a:prstGeom>
+        </p:spPr>
+      </p:pic>
+    </p:spTree>
+    <p:extLst>
+      <p:ext uri="{BB962C8B-B14F-4D97-AF65-F5344CB8AC3E}">
+        <p14:creationId xmlns:p14="http://schemas.microsoft.com/office/powerpoint/2010/main" val="3335772864"/>
+      </p:ext>
+    </p:extLst>
+  </p:cSld>
+  <p:clrMapOvr>
+    <a:masterClrMapping/>
+  </p:clrMapOvr>
+</p:sld>
+</file>
+
+<file path=ppt/slides/slide3.xml><?xml version="1.0" encoding="utf-8"?>
+<p:sld xmlns:a="http://schemas.openxmlformats.org/drawingml/2006/main" xmlns:r="http://schemas.openxmlformats.org/officeDocument/2006/relationships" xmlns:p="http://schemas.openxmlformats.org/presentationml/2006/main">
+  <p:cSld>
+    <p:spTree>
+      <p:nvGrpSpPr>
+        <p:cNvPr id="1" name=""/>
+        <p:cNvGrpSpPr/>
+        <p:nvPr/>
+      </p:nvGrpSpPr>
+      <p:grpSpPr>
+        <a:xfrm>
+          <a:off x="0" y="0"/>
+          <a:ext cx="0" cy="0"/>
+          <a:chOff x="0" y="0"/>
+          <a:chExt cx="0" cy="0"/>
+        </a:xfrm>
+      </p:grpSpPr>
+      <p:pic>
+        <p:nvPicPr>
+          <p:cNvPr id="4" name="Picture 3">
+            <a:extLst>
+              <a:ext uri="{FF2B5EF4-FFF2-40B4-BE49-F238E27FC236}">
+                <a16:creationId xmlns:a16="http://schemas.microsoft.com/office/drawing/2014/main" id="{A1B1CDFD-7844-4D37-A880-F5BE090C0424}"/>
+              </a:ext>
+            </a:extLst>
+          </p:cNvPr>
+          <p:cNvPicPr>
+            <a:picLocks noChangeAspect="1"/>
+          </p:cNvPicPr>
+          <p:nvPr/>
+        </p:nvPicPr>
+        <p:blipFill>
+          <a:blip r:embed="rId2"/>
+          <a:stretch>
+            <a:fillRect/>
+          </a:stretch>
+        </p:blipFill>
+        <p:spPr>
+          <a:xfrm>
+            <a:off x="7420753" y="3511043"/>
+            <a:ext cx="3872846" cy="3246120"/>
+          </a:xfrm>
+          <a:prstGeom prst="rect">
+            <a:avLst/>
+          </a:prstGeom>
+        </p:spPr>
+      </p:pic>
+      <p:pic>
+        <p:nvPicPr>
+          <p:cNvPr id="5" name="Picture 4">
+            <a:extLst>
+              <a:ext uri="{FF2B5EF4-FFF2-40B4-BE49-F238E27FC236}">
+                <a16:creationId xmlns:a16="http://schemas.microsoft.com/office/drawing/2014/main" id="{FA33139D-3EE3-45A2-8544-519565A2E87F}"/>
+              </a:ext>
+            </a:extLst>
+          </p:cNvPr>
+          <p:cNvPicPr>
+            <a:picLocks noChangeAspect="1"/>
+          </p:cNvPicPr>
+          <p:nvPr/>
+        </p:nvPicPr>
+        <p:blipFill>
+          <a:blip r:embed="rId3"/>
+          <a:stretch>
+            <a:fillRect/>
+          </a:stretch>
+        </p:blipFill>
+        <p:spPr>
+          <a:xfrm>
+            <a:off x="7341448" y="100837"/>
+            <a:ext cx="3952151" cy="3246120"/>
+          </a:xfrm>
+          <a:prstGeom prst="rect">
+            <a:avLst/>
+          </a:prstGeom>
+        </p:spPr>
+      </p:pic>
+      <p:pic>
+        <p:nvPicPr>
+          <p:cNvPr id="6" name="Picture 5">
+            <a:extLst>
+              <a:ext uri="{FF2B5EF4-FFF2-40B4-BE49-F238E27FC236}">
+                <a16:creationId xmlns:a16="http://schemas.microsoft.com/office/drawing/2014/main" id="{C6D5D49E-8698-47D9-A2DA-3DCE1B5A2ECD}"/>
+              </a:ext>
+            </a:extLst>
+          </p:cNvPr>
+          <p:cNvPicPr>
+            <a:picLocks noChangeAspect="1"/>
+          </p:cNvPicPr>
+          <p:nvPr/>
+        </p:nvPicPr>
+        <p:blipFill>
+          <a:blip r:embed="rId4"/>
+          <a:stretch>
+            <a:fillRect/>
+          </a:stretch>
+        </p:blipFill>
+        <p:spPr>
+          <a:xfrm>
+            <a:off x="898401" y="100837"/>
+            <a:ext cx="3980938" cy="3246120"/>
+          </a:xfrm>
+          <a:prstGeom prst="rect">
+            <a:avLst/>
+          </a:prstGeom>
+        </p:spPr>
+      </p:pic>
+      <p:pic>
+        <p:nvPicPr>
+          <p:cNvPr id="7" name="Picture 6">
+            <a:extLst>
+              <a:ext uri="{FF2B5EF4-FFF2-40B4-BE49-F238E27FC236}">
+                <a16:creationId xmlns:a16="http://schemas.microsoft.com/office/drawing/2014/main" id="{63164123-017A-4137-BADF-2F84A2886FB4}"/>
+              </a:ext>
+            </a:extLst>
+          </p:cNvPr>
+          <p:cNvPicPr>
+            <a:picLocks noChangeAspect="1"/>
+          </p:cNvPicPr>
+          <p:nvPr/>
+        </p:nvPicPr>
+        <p:blipFill>
+          <a:blip r:embed="rId5"/>
+          <a:stretch>
+            <a:fillRect/>
+          </a:stretch>
+        </p:blipFill>
+        <p:spPr>
+          <a:xfrm>
+            <a:off x="898401" y="3511043"/>
+            <a:ext cx="4039436" cy="3246120"/>
+          </a:xfrm>
+          <a:prstGeom prst="rect">
+            <a:avLst/>
+          </a:prstGeom>
+        </p:spPr>
+      </p:pic>
+    </p:spTree>
+    <p:extLst>
+      <p:ext uri="{BB962C8B-B14F-4D97-AF65-F5344CB8AC3E}">
+        <p14:creationId xmlns:p14="http://schemas.microsoft.com/office/powerpoint/2010/main" val="367310876"/>
       </p:ext>
     </p:extLst>
   </p:cSld>

--- a/Documentation/Recorded Data/FFT Compare.pptx
+++ b/Documentation/Recorded Data/FFT Compare.pptx
@@ -3761,7 +3761,7 @@
         </p:blipFill>
         <p:spPr>
           <a:xfrm>
-            <a:off x="898401" y="3511043"/>
+            <a:off x="869152" y="3611880"/>
             <a:ext cx="4039436" cy="3246120"/>
           </a:xfrm>
           <a:prstGeom prst="rect">
